--- a/설계서.pptx
+++ b/설계서.pptx
@@ -148,7 +148,7 @@
   <pc:docChgLst>
     <pc:chgData name="상욱 이" userId="25c41c118c829273" providerId="LiveId" clId="{526C76C6-A203-4283-9BD4-0BC22F471D28}"/>
     <pc:docChg chg="undo custSel addSld delSld modSld sldOrd">
-      <pc:chgData name="상욱 이" userId="25c41c118c829273" providerId="LiveId" clId="{526C76C6-A203-4283-9BD4-0BC22F471D28}" dt="2025-01-21T06:12:00.950" v="4856"/>
+      <pc:chgData name="상욱 이" userId="25c41c118c829273" providerId="LiveId" clId="{526C76C6-A203-4283-9BD4-0BC22F471D28}" dt="2025-01-22T08:49:28.756" v="4861" actId="1076"/>
       <pc:docMkLst>
         <pc:docMk/>
       </pc:docMkLst>
@@ -609,7 +609,7 @@
         </pc:sldMkLst>
       </pc:sldChg>
       <pc:sldChg chg="addSp delSp modSp mod">
-        <pc:chgData name="상욱 이" userId="25c41c118c829273" providerId="LiveId" clId="{526C76C6-A203-4283-9BD4-0BC22F471D28}" dt="2025-01-21T06:09:52.492" v="4774" actId="14100"/>
+        <pc:chgData name="상욱 이" userId="25c41c118c829273" providerId="LiveId" clId="{526C76C6-A203-4283-9BD4-0BC22F471D28}" dt="2025-01-22T08:49:28.756" v="4861" actId="1076"/>
         <pc:sldMkLst>
           <pc:docMk/>
           <pc:sldMk cId="2913420112" sldId="652"/>
@@ -630,6 +630,14 @@
             <ac:picMk id="4" creationId="{E0F22760-D750-C1D1-DCFF-3B9F8B3283B0}"/>
           </ac:picMkLst>
         </pc:picChg>
+        <pc:picChg chg="add mod">
+          <ac:chgData name="상욱 이" userId="25c41c118c829273" providerId="LiveId" clId="{526C76C6-A203-4283-9BD4-0BC22F471D28}" dt="2025-01-22T08:49:28.756" v="4861" actId="1076"/>
+          <ac:picMkLst>
+            <pc:docMk/>
+            <pc:sldMk cId="2913420112" sldId="652"/>
+            <ac:picMk id="5" creationId="{1F7D269C-500A-290F-8782-99FCAB592B1A}"/>
+          </ac:picMkLst>
+        </pc:picChg>
         <pc:picChg chg="add del mod">
           <ac:chgData name="상욱 이" userId="25c41c118c829273" providerId="LiveId" clId="{526C76C6-A203-4283-9BD4-0BC22F471D28}" dt="2025-01-21T06:09:48.915" v="4772" actId="478"/>
           <ac:picMkLst>
@@ -646,8 +654,8 @@
             <ac:picMk id="6" creationId="{248ABB17-64CD-2B40-E363-5F0A2AFA1ABB}"/>
           </ac:picMkLst>
         </pc:picChg>
-        <pc:picChg chg="add mod">
-          <ac:chgData name="상욱 이" userId="25c41c118c829273" providerId="LiveId" clId="{526C76C6-A203-4283-9BD4-0BC22F471D28}" dt="2025-01-21T06:09:52.492" v="4774" actId="14100"/>
+        <pc:picChg chg="add del mod">
+          <ac:chgData name="상욱 이" userId="25c41c118c829273" providerId="LiveId" clId="{526C76C6-A203-4283-9BD4-0BC22F471D28}" dt="2025-01-22T08:49:21.594" v="4857" actId="478"/>
           <ac:picMkLst>
             <pc:docMk/>
             <pc:sldMk cId="2913420112" sldId="652"/>
@@ -1033,7 +1041,7 @@
           <a:p>
             <a:fld id="{8DBFF32E-A26D-429E-B1A2-9D0633C064F1}" type="datetimeFigureOut">
               <a:rPr lang="ko-KR" altLang="en-US" smtClean="0"/>
-              <a:t>2025-01-21</a:t>
+              <a:t>2025-01-22</a:t>
             </a:fld>
             <a:endParaRPr lang="ko-KR" altLang="en-US"/>
           </a:p>
@@ -1429,7 +1437,7 @@
           <a:p>
             <a:fld id="{C7351A05-FE79-4763-A84F-D4FE701A9E82}" type="datetimeFigureOut">
               <a:rPr lang="ko-KR" altLang="en-US" smtClean="0"/>
-              <a:t>2025-01-21</a:t>
+              <a:t>2025-01-22</a:t>
             </a:fld>
             <a:endParaRPr lang="ko-KR" altLang="en-US"/>
           </a:p>
@@ -1597,7 +1605,7 @@
           <a:p>
             <a:fld id="{C7351A05-FE79-4763-A84F-D4FE701A9E82}" type="datetimeFigureOut">
               <a:rPr lang="ko-KR" altLang="en-US" smtClean="0"/>
-              <a:t>2025-01-21</a:t>
+              <a:t>2025-01-22</a:t>
             </a:fld>
             <a:endParaRPr lang="ko-KR" altLang="en-US"/>
           </a:p>
@@ -1775,7 +1783,7 @@
           <a:p>
             <a:fld id="{C7351A05-FE79-4763-A84F-D4FE701A9E82}" type="datetimeFigureOut">
               <a:rPr lang="ko-KR" altLang="en-US" smtClean="0"/>
-              <a:t>2025-01-21</a:t>
+              <a:t>2025-01-22</a:t>
             </a:fld>
             <a:endParaRPr lang="ko-KR" altLang="en-US"/>
           </a:p>
@@ -1943,7 +1951,7 @@
           <a:p>
             <a:fld id="{C7351A05-FE79-4763-A84F-D4FE701A9E82}" type="datetimeFigureOut">
               <a:rPr lang="ko-KR" altLang="en-US" smtClean="0"/>
-              <a:t>2025-01-21</a:t>
+              <a:t>2025-01-22</a:t>
             </a:fld>
             <a:endParaRPr lang="ko-KR" altLang="en-US"/>
           </a:p>
@@ -2188,7 +2196,7 @@
           <a:p>
             <a:fld id="{C7351A05-FE79-4763-A84F-D4FE701A9E82}" type="datetimeFigureOut">
               <a:rPr lang="ko-KR" altLang="en-US" smtClean="0"/>
-              <a:t>2025-01-21</a:t>
+              <a:t>2025-01-22</a:t>
             </a:fld>
             <a:endParaRPr lang="ko-KR" altLang="en-US"/>
           </a:p>
@@ -2417,7 +2425,7 @@
           <a:p>
             <a:fld id="{C7351A05-FE79-4763-A84F-D4FE701A9E82}" type="datetimeFigureOut">
               <a:rPr lang="ko-KR" altLang="en-US" smtClean="0"/>
-              <a:t>2025-01-21</a:t>
+              <a:t>2025-01-22</a:t>
             </a:fld>
             <a:endParaRPr lang="ko-KR" altLang="en-US"/>
           </a:p>
@@ -2781,7 +2789,7 @@
           <a:p>
             <a:fld id="{C7351A05-FE79-4763-A84F-D4FE701A9E82}" type="datetimeFigureOut">
               <a:rPr lang="ko-KR" altLang="en-US" smtClean="0"/>
-              <a:t>2025-01-21</a:t>
+              <a:t>2025-01-22</a:t>
             </a:fld>
             <a:endParaRPr lang="ko-KR" altLang="en-US"/>
           </a:p>
@@ -2898,7 +2906,7 @@
           <a:p>
             <a:fld id="{C7351A05-FE79-4763-A84F-D4FE701A9E82}" type="datetimeFigureOut">
               <a:rPr lang="ko-KR" altLang="en-US" smtClean="0"/>
-              <a:t>2025-01-21</a:t>
+              <a:t>2025-01-22</a:t>
             </a:fld>
             <a:endParaRPr lang="ko-KR" altLang="en-US"/>
           </a:p>
@@ -2993,7 +3001,7 @@
           <a:p>
             <a:fld id="{C7351A05-FE79-4763-A84F-D4FE701A9E82}" type="datetimeFigureOut">
               <a:rPr lang="ko-KR" altLang="en-US" smtClean="0"/>
-              <a:t>2025-01-21</a:t>
+              <a:t>2025-01-22</a:t>
             </a:fld>
             <a:endParaRPr lang="ko-KR" altLang="en-US"/>
           </a:p>
@@ -3268,7 +3276,7 @@
           <a:p>
             <a:fld id="{C7351A05-FE79-4763-A84F-D4FE701A9E82}" type="datetimeFigureOut">
               <a:rPr lang="ko-KR" altLang="en-US" smtClean="0"/>
-              <a:t>2025-01-21</a:t>
+              <a:t>2025-01-22</a:t>
             </a:fld>
             <a:endParaRPr lang="ko-KR" altLang="en-US"/>
           </a:p>
@@ -3520,7 +3528,7 @@
           <a:p>
             <a:fld id="{C7351A05-FE79-4763-A84F-D4FE701A9E82}" type="datetimeFigureOut">
               <a:rPr lang="ko-KR" altLang="en-US" smtClean="0"/>
-              <a:t>2025-01-21</a:t>
+              <a:t>2025-01-22</a:t>
             </a:fld>
             <a:endParaRPr lang="ko-KR" altLang="en-US"/>
           </a:p>
@@ -3731,7 +3739,7 @@
           <a:p>
             <a:fld id="{C7351A05-FE79-4763-A84F-D4FE701A9E82}" type="datetimeFigureOut">
               <a:rPr lang="ko-KR" altLang="en-US" smtClean="0"/>
-              <a:t>2025-01-21</a:t>
+              <a:t>2025-01-22</a:t>
             </a:fld>
             <a:endParaRPr lang="ko-KR" altLang="en-US"/>
           </a:p>
@@ -14135,10 +14143,10 @@
       </p:pic>
       <p:pic>
         <p:nvPicPr>
-          <p:cNvPr id="8" name="그림 7">
+          <p:cNvPr id="5" name="그림 4">
             <a:extLst>
               <a:ext uri="{FF2B5EF4-FFF2-40B4-BE49-F238E27FC236}">
-                <a16:creationId xmlns:a16="http://schemas.microsoft.com/office/drawing/2014/main" id="{502FE5E1-D87D-9E49-7FFC-6CCF4537FE8D}"/>
+                <a16:creationId xmlns:a16="http://schemas.microsoft.com/office/drawing/2014/main" id="{1F7D269C-500A-290F-8782-99FCAB592B1A}"/>
               </a:ext>
             </a:extLst>
           </p:cNvPr>
@@ -14155,8 +14163,8 @@
         </p:blipFill>
         <p:spPr>
           <a:xfrm>
-            <a:off x="3695667" y="2237013"/>
-            <a:ext cx="7291456" cy="3620879"/>
+            <a:off x="3805985" y="1897871"/>
+            <a:ext cx="7170058" cy="4229576"/>
           </a:xfrm>
           <a:prstGeom prst="rect">
             <a:avLst/>

--- a/설계서.pptx
+++ b/설계서.pptx
@@ -138,7 +138,7 @@
 <file path=ppt/revisionInfo.xml><?xml version="1.0" encoding="utf-8"?>
 <p1510:revInfo xmlns:a="http://schemas.openxmlformats.org/drawingml/2006/main" xmlns:r="http://schemas.openxmlformats.org/officeDocument/2006/relationships" xmlns:p1510="http://schemas.microsoft.com/office/powerpoint/2015/10/main">
   <p1510:revLst>
-    <p1510:client id="{526C76C6-A203-4283-9BD4-0BC22F471D28}" v="335" dt="2025-01-21T06:12:00.952"/>
+    <p1510:client id="{526C76C6-A203-4283-9BD4-0BC22F471D28}" v="400" dt="2025-02-02T09:15:54.093"/>
   </p1510:revLst>
 </p1510:revInfo>
 </file>
@@ -148,7 +148,7 @@
   <pc:docChgLst>
     <pc:chgData name="상욱 이" userId="25c41c118c829273" providerId="LiveId" clId="{526C76C6-A203-4283-9BD4-0BC22F471D28}"/>
     <pc:docChg chg="undo custSel addSld delSld modSld sldOrd">
-      <pc:chgData name="상욱 이" userId="25c41c118c829273" providerId="LiveId" clId="{526C76C6-A203-4283-9BD4-0BC22F471D28}" dt="2025-01-22T08:49:28.756" v="4861" actId="1076"/>
+      <pc:chgData name="상욱 이" userId="25c41c118c829273" providerId="LiveId" clId="{526C76C6-A203-4283-9BD4-0BC22F471D28}" dt="2025-02-02T09:15:55.628" v="5928" actId="6549"/>
       <pc:docMkLst>
         <pc:docMk/>
       </pc:docMkLst>
@@ -158,17 +158,9 @@
           <pc:docMk/>
           <pc:sldMk cId="3282026138" sldId="639"/>
         </pc:sldMkLst>
-        <pc:graphicFrameChg chg="del">
-          <ac:chgData name="상욱 이" userId="25c41c118c829273" providerId="LiveId" clId="{526C76C6-A203-4283-9BD4-0BC22F471D28}" dt="2025-01-21T05:43:18.088" v="4262" actId="478"/>
-          <ac:graphicFrameMkLst>
-            <pc:docMk/>
-            <pc:sldMk cId="3282026138" sldId="639"/>
-            <ac:graphicFrameMk id="2" creationId="{16F6A041-35A7-1C48-7F35-259123358A72}"/>
-          </ac:graphicFrameMkLst>
-        </pc:graphicFrameChg>
       </pc:sldChg>
       <pc:sldChg chg="addSp delSp modSp mod">
-        <pc:chgData name="상욱 이" userId="25c41c118c829273" providerId="LiveId" clId="{526C76C6-A203-4283-9BD4-0BC22F471D28}" dt="2025-01-21T04:59:39.150" v="4261" actId="1076"/>
+        <pc:chgData name="상욱 이" userId="25c41c118c829273" providerId="LiveId" clId="{526C76C6-A203-4283-9BD4-0BC22F471D28}" dt="2025-02-02T09:09:15.649" v="4866" actId="1076"/>
         <pc:sldMkLst>
           <pc:docMk/>
           <pc:sldMk cId="4229784265" sldId="640"/>
@@ -189,20 +181,12 @@
             <ac:spMk id="41" creationId="{A37B401D-5EBD-ED93-6CD2-914334CD4FC5}"/>
           </ac:spMkLst>
         </pc:spChg>
-        <pc:picChg chg="add mod">
-          <ac:chgData name="상욱 이" userId="25c41c118c829273" providerId="LiveId" clId="{526C76C6-A203-4283-9BD4-0BC22F471D28}" dt="2025-01-21T04:59:37.464" v="4259" actId="1076"/>
+        <pc:picChg chg="add del mod">
+          <ac:chgData name="상욱 이" userId="25c41c118c829273" providerId="LiveId" clId="{526C76C6-A203-4283-9BD4-0BC22F471D28}" dt="2025-02-02T09:08:44.423" v="4862" actId="478"/>
           <ac:picMkLst>
             <pc:docMk/>
             <pc:sldMk cId="4229784265" sldId="640"/>
             <ac:picMk id="3" creationId="{562410FD-A0F6-96FD-54A0-2DDCAF7E054E}"/>
-          </ac:picMkLst>
-        </pc:picChg>
-        <pc:picChg chg="add del mod">
-          <ac:chgData name="상욱 이" userId="25c41c118c829273" providerId="LiveId" clId="{526C76C6-A203-4283-9BD4-0BC22F471D28}" dt="2025-01-21T04:59:33.219" v="4255" actId="478"/>
-          <ac:picMkLst>
-            <pc:docMk/>
-            <pc:sldMk cId="4229784265" sldId="640"/>
-            <ac:picMk id="4" creationId="{1EE2604B-AF58-5F69-1011-35B73E56949C}"/>
           </ac:picMkLst>
         </pc:picChg>
         <pc:picChg chg="add mod">
@@ -213,12 +197,12 @@
             <ac:picMk id="5" creationId="{CD03B78F-8F64-AF98-5825-2EAE621BD367}"/>
           </ac:picMkLst>
         </pc:picChg>
-        <pc:picChg chg="add del mod">
-          <ac:chgData name="상욱 이" userId="25c41c118c829273" providerId="LiveId" clId="{526C76C6-A203-4283-9BD4-0BC22F471D28}" dt="2025-01-21T04:59:32.540" v="4254" actId="478"/>
+        <pc:picChg chg="add mod">
+          <ac:chgData name="상욱 이" userId="25c41c118c829273" providerId="LiveId" clId="{526C76C6-A203-4283-9BD4-0BC22F471D28}" dt="2025-02-02T09:09:15.649" v="4866" actId="1076"/>
           <ac:picMkLst>
             <pc:docMk/>
             <pc:sldMk cId="4229784265" sldId="640"/>
-            <ac:picMk id="1026" creationId="{27E6B12B-1491-77D9-7CF4-5FCB770B910E}"/>
+            <ac:picMk id="1026" creationId="{D80C045B-7BCA-55E4-8847-88208ACCEDA5}"/>
           </ac:picMkLst>
         </pc:picChg>
         <pc:picChg chg="add mod">
@@ -614,14 +598,6 @@
           <pc:docMk/>
           <pc:sldMk cId="2913420112" sldId="652"/>
         </pc:sldMkLst>
-        <pc:picChg chg="add del mod">
-          <ac:chgData name="상욱 이" userId="25c41c118c829273" providerId="LiveId" clId="{526C76C6-A203-4283-9BD4-0BC22F471D28}" dt="2025-01-21T06:00:13.644" v="4637" actId="478"/>
-          <ac:picMkLst>
-            <pc:docMk/>
-            <pc:sldMk cId="2913420112" sldId="652"/>
-            <ac:picMk id="3" creationId="{71161C60-D484-D9FE-00C8-E2F559F10CA3}"/>
-          </ac:picMkLst>
-        </pc:picChg>
         <pc:picChg chg="add mod">
           <ac:chgData name="상욱 이" userId="25c41c118c829273" providerId="LiveId" clId="{526C76C6-A203-4283-9BD4-0BC22F471D28}" dt="2025-01-21T06:00:18.927" v="4639" actId="1076"/>
           <ac:picMkLst>
@@ -636,30 +612,6 @@
             <pc:docMk/>
             <pc:sldMk cId="2913420112" sldId="652"/>
             <ac:picMk id="5" creationId="{1F7D269C-500A-290F-8782-99FCAB592B1A}"/>
-          </ac:picMkLst>
-        </pc:picChg>
-        <pc:picChg chg="add del mod">
-          <ac:chgData name="상욱 이" userId="25c41c118c829273" providerId="LiveId" clId="{526C76C6-A203-4283-9BD4-0BC22F471D28}" dt="2025-01-21T06:09:48.915" v="4772" actId="478"/>
-          <ac:picMkLst>
-            <pc:docMk/>
-            <pc:sldMk cId="2913420112" sldId="652"/>
-            <ac:picMk id="5" creationId="{97376888-8879-5CB6-573E-C7F6915494A8}"/>
-          </ac:picMkLst>
-        </pc:picChg>
-        <pc:picChg chg="add del mod">
-          <ac:chgData name="상욱 이" userId="25c41c118c829273" providerId="LiveId" clId="{526C76C6-A203-4283-9BD4-0BC22F471D28}" dt="2025-01-21T06:06:58.369" v="4644" actId="478"/>
-          <ac:picMkLst>
-            <pc:docMk/>
-            <pc:sldMk cId="2913420112" sldId="652"/>
-            <ac:picMk id="6" creationId="{248ABB17-64CD-2B40-E363-5F0A2AFA1ABB}"/>
-          </ac:picMkLst>
-        </pc:picChg>
-        <pc:picChg chg="add del mod">
-          <ac:chgData name="상욱 이" userId="25c41c118c829273" providerId="LiveId" clId="{526C76C6-A203-4283-9BD4-0BC22F471D28}" dt="2025-01-22T08:49:21.594" v="4857" actId="478"/>
-          <ac:picMkLst>
-            <pc:docMk/>
-            <pc:sldMk cId="2913420112" sldId="652"/>
-            <ac:picMk id="8" creationId="{502FE5E1-D87D-9E49-7FFC-6CCF4537FE8D}"/>
           </ac:picMkLst>
         </pc:picChg>
       </pc:sldChg>
@@ -678,13 +630,13 @@
         </pc:sldMkLst>
       </pc:sldChg>
       <pc:sldChg chg="delSp modSp add mod">
-        <pc:chgData name="상욱 이" userId="25c41c118c829273" providerId="LiveId" clId="{526C76C6-A203-4283-9BD4-0BC22F471D28}" dt="2025-01-21T06:08:06.863" v="4771"/>
+        <pc:chgData name="상욱 이" userId="25c41c118c829273" providerId="LiveId" clId="{526C76C6-A203-4283-9BD4-0BC22F471D28}" dt="2025-02-02T09:15:55.628" v="5928" actId="6549"/>
         <pc:sldMkLst>
           <pc:docMk/>
           <pc:sldMk cId="1051317952" sldId="654"/>
         </pc:sldMkLst>
         <pc:spChg chg="mod">
-          <ac:chgData name="상욱 이" userId="25c41c118c829273" providerId="LiveId" clId="{526C76C6-A203-4283-9BD4-0BC22F471D28}" dt="2025-01-21T06:08:06.863" v="4771"/>
+          <ac:chgData name="상욱 이" userId="25c41c118c829273" providerId="LiveId" clId="{526C76C6-A203-4283-9BD4-0BC22F471D28}" dt="2025-02-02T09:15:55.628" v="5928" actId="6549"/>
           <ac:spMkLst>
             <pc:docMk/>
             <pc:sldMk cId="1051317952" sldId="654"/>
@@ -1041,7 +993,7 @@
           <a:p>
             <a:fld id="{8DBFF32E-A26D-429E-B1A2-9D0633C064F1}" type="datetimeFigureOut">
               <a:rPr lang="ko-KR" altLang="en-US" smtClean="0"/>
-              <a:t>2025-01-22</a:t>
+              <a:t>2025-02-02</a:t>
             </a:fld>
             <a:endParaRPr lang="ko-KR" altLang="en-US"/>
           </a:p>
@@ -1437,7 +1389,7 @@
           <a:p>
             <a:fld id="{C7351A05-FE79-4763-A84F-D4FE701A9E82}" type="datetimeFigureOut">
               <a:rPr lang="ko-KR" altLang="en-US" smtClean="0"/>
-              <a:t>2025-01-22</a:t>
+              <a:t>2025-02-02</a:t>
             </a:fld>
             <a:endParaRPr lang="ko-KR" altLang="en-US"/>
           </a:p>
@@ -1605,7 +1557,7 @@
           <a:p>
             <a:fld id="{C7351A05-FE79-4763-A84F-D4FE701A9E82}" type="datetimeFigureOut">
               <a:rPr lang="ko-KR" altLang="en-US" smtClean="0"/>
-              <a:t>2025-01-22</a:t>
+              <a:t>2025-02-02</a:t>
             </a:fld>
             <a:endParaRPr lang="ko-KR" altLang="en-US"/>
           </a:p>
@@ -1783,7 +1735,7 @@
           <a:p>
             <a:fld id="{C7351A05-FE79-4763-A84F-D4FE701A9E82}" type="datetimeFigureOut">
               <a:rPr lang="ko-KR" altLang="en-US" smtClean="0"/>
-              <a:t>2025-01-22</a:t>
+              <a:t>2025-02-02</a:t>
             </a:fld>
             <a:endParaRPr lang="ko-KR" altLang="en-US"/>
           </a:p>
@@ -1951,7 +1903,7 @@
           <a:p>
             <a:fld id="{C7351A05-FE79-4763-A84F-D4FE701A9E82}" type="datetimeFigureOut">
               <a:rPr lang="ko-KR" altLang="en-US" smtClean="0"/>
-              <a:t>2025-01-22</a:t>
+              <a:t>2025-02-02</a:t>
             </a:fld>
             <a:endParaRPr lang="ko-KR" altLang="en-US"/>
           </a:p>
@@ -2196,7 +2148,7 @@
           <a:p>
             <a:fld id="{C7351A05-FE79-4763-A84F-D4FE701A9E82}" type="datetimeFigureOut">
               <a:rPr lang="ko-KR" altLang="en-US" smtClean="0"/>
-              <a:t>2025-01-22</a:t>
+              <a:t>2025-02-02</a:t>
             </a:fld>
             <a:endParaRPr lang="ko-KR" altLang="en-US"/>
           </a:p>
@@ -2425,7 +2377,7 @@
           <a:p>
             <a:fld id="{C7351A05-FE79-4763-A84F-D4FE701A9E82}" type="datetimeFigureOut">
               <a:rPr lang="ko-KR" altLang="en-US" smtClean="0"/>
-              <a:t>2025-01-22</a:t>
+              <a:t>2025-02-02</a:t>
             </a:fld>
             <a:endParaRPr lang="ko-KR" altLang="en-US"/>
           </a:p>
@@ -2789,7 +2741,7 @@
           <a:p>
             <a:fld id="{C7351A05-FE79-4763-A84F-D4FE701A9E82}" type="datetimeFigureOut">
               <a:rPr lang="ko-KR" altLang="en-US" smtClean="0"/>
-              <a:t>2025-01-22</a:t>
+              <a:t>2025-02-02</a:t>
             </a:fld>
             <a:endParaRPr lang="ko-KR" altLang="en-US"/>
           </a:p>
@@ -2906,7 +2858,7 @@
           <a:p>
             <a:fld id="{C7351A05-FE79-4763-A84F-D4FE701A9E82}" type="datetimeFigureOut">
               <a:rPr lang="ko-KR" altLang="en-US" smtClean="0"/>
-              <a:t>2025-01-22</a:t>
+              <a:t>2025-02-02</a:t>
             </a:fld>
             <a:endParaRPr lang="ko-KR" altLang="en-US"/>
           </a:p>
@@ -3001,7 +2953,7 @@
           <a:p>
             <a:fld id="{C7351A05-FE79-4763-A84F-D4FE701A9E82}" type="datetimeFigureOut">
               <a:rPr lang="ko-KR" altLang="en-US" smtClean="0"/>
-              <a:t>2025-01-22</a:t>
+              <a:t>2025-02-02</a:t>
             </a:fld>
             <a:endParaRPr lang="ko-KR" altLang="en-US"/>
           </a:p>
@@ -3276,7 +3228,7 @@
           <a:p>
             <a:fld id="{C7351A05-FE79-4763-A84F-D4FE701A9E82}" type="datetimeFigureOut">
               <a:rPr lang="ko-KR" altLang="en-US" smtClean="0"/>
-              <a:t>2025-01-22</a:t>
+              <a:t>2025-02-02</a:t>
             </a:fld>
             <a:endParaRPr lang="ko-KR" altLang="en-US"/>
           </a:p>
@@ -3528,7 +3480,7 @@
           <a:p>
             <a:fld id="{C7351A05-FE79-4763-A84F-D4FE701A9E82}" type="datetimeFigureOut">
               <a:rPr lang="ko-KR" altLang="en-US" smtClean="0"/>
-              <a:t>2025-01-22</a:t>
+              <a:t>2025-02-02</a:t>
             </a:fld>
             <a:endParaRPr lang="ko-KR" altLang="en-US"/>
           </a:p>
@@ -3739,7 +3691,7 @@
           <a:p>
             <a:fld id="{C7351A05-FE79-4763-A84F-D4FE701A9E82}" type="datetimeFigureOut">
               <a:rPr lang="ko-KR" altLang="en-US" smtClean="0"/>
-              <a:t>2025-01-22</a:t>
+              <a:t>2025-02-02</a:t>
             </a:fld>
             <a:endParaRPr lang="ko-KR" altLang="en-US"/>
           </a:p>
@@ -13629,51 +13581,6 @@
           </a:extLst>
         </p:spPr>
       </p:pic>
-      <p:pic>
-        <p:nvPicPr>
-          <p:cNvPr id="3" name="Picture 4" descr="[Spring] JPA란?">
-            <a:extLst>
-              <a:ext uri="{FF2B5EF4-FFF2-40B4-BE49-F238E27FC236}">
-                <a16:creationId xmlns:a16="http://schemas.microsoft.com/office/drawing/2014/main" id="{562410FD-A0F6-96FD-54A0-2DDCAF7E054E}"/>
-              </a:ext>
-            </a:extLst>
-          </p:cNvPr>
-          <p:cNvPicPr>
-            <a:picLocks noChangeAspect="1" noChangeArrowheads="1"/>
-          </p:cNvPicPr>
-          <p:nvPr/>
-        </p:nvPicPr>
-        <p:blipFill rotWithShape="1">
-          <a:blip r:embed="rId6">
-            <a:extLst>
-              <a:ext uri="{28A0092B-C50C-407E-A947-70E740481C1C}">
-                <a14:useLocalDpi xmlns:a14="http://schemas.microsoft.com/office/drawing/2010/main" val="0"/>
-              </a:ext>
-            </a:extLst>
-          </a:blip>
-          <a:srcRect l="33771" t="21208" r="34944" b="25604"/>
-          <a:stretch/>
-        </p:blipFill>
-        <p:spPr bwMode="auto">
-          <a:xfrm>
-            <a:off x="6269527" y="3806759"/>
-            <a:ext cx="2117271" cy="2024743"/>
-          </a:xfrm>
-          <a:prstGeom prst="rect">
-            <a:avLst/>
-          </a:prstGeom>
-          <a:noFill/>
-          <a:extLst>
-            <a:ext uri="{909E8E84-426E-40DD-AFC4-6F175D3DCCD1}">
-              <a14:hiddenFill xmlns:a14="http://schemas.microsoft.com/office/drawing/2010/main">
-                <a:solidFill>
-                  <a:srgbClr val="FFFFFF"/>
-                </a:solidFill>
-              </a14:hiddenFill>
-            </a:ext>
-          </a:extLst>
-        </p:spPr>
-      </p:pic>
       <p:sp>
         <p:nvSpPr>
           <p:cNvPr id="2" name="Rectangle 1">
@@ -13902,7 +13809,7 @@
           <p:nvPr/>
         </p:nvPicPr>
         <p:blipFill>
-          <a:blip r:embed="rId7">
+          <a:blip r:embed="rId6">
             <a:extLst>
               <a:ext uri="{28A0092B-C50C-407E-A947-70E740481C1C}">
                 <a14:useLocalDpi xmlns:a14="http://schemas.microsoft.com/office/drawing/2010/main" val="0"/>
@@ -13918,6 +13825,51 @@
           <a:xfrm>
             <a:off x="8914908" y="3953674"/>
             <a:ext cx="2286534" cy="1512916"/>
+          </a:xfrm>
+          <a:prstGeom prst="rect">
+            <a:avLst/>
+          </a:prstGeom>
+          <a:noFill/>
+          <a:extLst>
+            <a:ext uri="{909E8E84-426E-40DD-AFC4-6F175D3DCCD1}">
+              <a14:hiddenFill xmlns:a14="http://schemas.microsoft.com/office/drawing/2010/main">
+                <a:solidFill>
+                  <a:srgbClr val="FFFFFF"/>
+                </a:solidFill>
+              </a14:hiddenFill>
+            </a:ext>
+          </a:extLst>
+        </p:spPr>
+      </p:pic>
+      <p:pic>
+        <p:nvPicPr>
+          <p:cNvPr id="1026" name="Picture 2" descr="MyBatis Transparent PNG에 대한 이미지 결과">
+            <a:extLst>
+              <a:ext uri="{FF2B5EF4-FFF2-40B4-BE49-F238E27FC236}">
+                <a16:creationId xmlns:a16="http://schemas.microsoft.com/office/drawing/2014/main" id="{D80C045B-7BCA-55E4-8847-88208ACCEDA5}"/>
+              </a:ext>
+            </a:extLst>
+          </p:cNvPr>
+          <p:cNvPicPr>
+            <a:picLocks noChangeAspect="1" noChangeArrowheads="1"/>
+          </p:cNvPicPr>
+          <p:nvPr/>
+        </p:nvPicPr>
+        <p:blipFill rotWithShape="1">
+          <a:blip r:embed="rId7">
+            <a:extLst>
+              <a:ext uri="{28A0092B-C50C-407E-A947-70E740481C1C}">
+                <a14:useLocalDpi xmlns:a14="http://schemas.microsoft.com/office/drawing/2010/main" val="0"/>
+              </a:ext>
+            </a:extLst>
+          </a:blip>
+          <a:srcRect l="21626" t="6456" r="23650" b="14150"/>
+          <a:stretch/>
+        </p:blipFill>
+        <p:spPr bwMode="auto">
+          <a:xfrm>
+            <a:off x="6154332" y="3931183"/>
+            <a:ext cx="2408126" cy="2011560"/>
           </a:xfrm>
           <a:prstGeom prst="rect">
             <a:avLst/>
@@ -14240,7 +14192,7 @@
         </p:nvSpPr>
         <p:spPr>
           <a:xfrm>
-            <a:off x="1215957" y="1770434"/>
+            <a:off x="1237728" y="1764991"/>
             <a:ext cx="10058400" cy="4484451"/>
           </a:xfrm>
           <a:prstGeom prst="rect">
@@ -14282,7 +14234,7 @@
                 <a:latin typeface="맑은 고딕" panose="020B0503020000020004" pitchFamily="50" charset="-127"/>
                 <a:ea typeface="맑은 고딕" panose="020B0503020000020004" pitchFamily="50" charset="-127"/>
               </a:rPr>
-              <a:t>상품 카테고리 생략</a:t>
+              <a:t>상품 카테고리 및 계정 기능 생략</a:t>
             </a:r>
             <a:endParaRPr lang="en-US" altLang="ko-KR" dirty="0">
               <a:solidFill>
@@ -14325,7 +14277,254 @@
                 <a:latin typeface="맑은 고딕" panose="020B0503020000020004" pitchFamily="50" charset="-127"/>
                 <a:ea typeface="맑은 고딕" panose="020B0503020000020004" pitchFamily="50" charset="-127"/>
               </a:rPr>
-              <a:t>하루 지난 주문 목록은 배송 완료 처리</a:t>
+              <a:t>하루 지난 주문은 서비스 </a:t>
+            </a:r>
+            <a:r>
+              <a:rPr lang="ko-KR" altLang="en-US" dirty="0" err="1">
+                <a:solidFill>
+                  <a:schemeClr val="tx1"/>
+                </a:solidFill>
+                <a:latin typeface="맑은 고딕" panose="020B0503020000020004" pitchFamily="50" charset="-127"/>
+                <a:ea typeface="맑은 고딕" panose="020B0503020000020004" pitchFamily="50" charset="-127"/>
+              </a:rPr>
+              <a:t>시작시</a:t>
+            </a:r>
+            <a:r>
+              <a:rPr lang="ko-KR" altLang="en-US" dirty="0">
+                <a:solidFill>
+                  <a:schemeClr val="tx1"/>
+                </a:solidFill>
+                <a:latin typeface="맑은 고딕" panose="020B0503020000020004" pitchFamily="50" charset="-127"/>
+                <a:ea typeface="맑은 고딕" panose="020B0503020000020004" pitchFamily="50" charset="-127"/>
+              </a:rPr>
+              <a:t> 배치로 배송완료 상태로 변경</a:t>
+            </a:r>
+            <a:r>
+              <a:rPr lang="en-US" altLang="ko-KR" dirty="0">
+                <a:solidFill>
+                  <a:schemeClr val="tx1"/>
+                </a:solidFill>
+                <a:latin typeface="맑은 고딕" panose="020B0503020000020004" pitchFamily="50" charset="-127"/>
+                <a:ea typeface="맑은 고딕" panose="020B0503020000020004" pitchFamily="50" charset="-127"/>
+              </a:rPr>
+              <a:t>)</a:t>
+            </a:r>
+          </a:p>
+          <a:p>
+            <a:pPr marL="342900" indent="-342900">
+              <a:buFont typeface="+mj-lt"/>
+              <a:buAutoNum type="arabicPeriod"/>
+            </a:pPr>
+            <a:r>
+              <a:rPr lang="ko-KR" altLang="en-US" dirty="0">
+                <a:solidFill>
+                  <a:schemeClr val="tx1"/>
+                </a:solidFill>
+                <a:latin typeface="맑은 고딕" panose="020B0503020000020004" pitchFamily="50" charset="-127"/>
+                <a:ea typeface="맑은 고딕" panose="020B0503020000020004" pitchFamily="50" charset="-127"/>
+              </a:rPr>
+              <a:t>관리자 계정과 고객 계정 </a:t>
+            </a:r>
+            <a:r>
+              <a:rPr lang="ko-KR" altLang="en-US" dirty="0" err="1">
+                <a:solidFill>
+                  <a:schemeClr val="tx1"/>
+                </a:solidFill>
+                <a:latin typeface="맑은 고딕" panose="020B0503020000020004" pitchFamily="50" charset="-127"/>
+                <a:ea typeface="맑은 고딕" panose="020B0503020000020004" pitchFamily="50" charset="-127"/>
+              </a:rPr>
+              <a:t>통합（하나의</a:t>
+            </a:r>
+            <a:r>
+              <a:rPr lang="ko-KR" altLang="en-US" dirty="0">
+                <a:solidFill>
+                  <a:schemeClr val="tx1"/>
+                </a:solidFill>
+                <a:latin typeface="맑은 고딕" panose="020B0503020000020004" pitchFamily="50" charset="-127"/>
+                <a:ea typeface="맑은 고딕" panose="020B0503020000020004" pitchFamily="50" charset="-127"/>
+              </a:rPr>
+              <a:t> 계정으로 상품 등록 및 주문까지 모두 가능）</a:t>
+            </a:r>
+            <a:endParaRPr lang="en-US" altLang="ko-KR" dirty="0">
+              <a:solidFill>
+                <a:schemeClr val="tx1"/>
+              </a:solidFill>
+              <a:latin typeface="맑은 고딕" panose="020B0503020000020004" pitchFamily="50" charset="-127"/>
+              <a:ea typeface="맑은 고딕" panose="020B0503020000020004" pitchFamily="50" charset="-127"/>
+            </a:endParaRPr>
+          </a:p>
+          <a:p>
+            <a:pPr marL="342900" indent="-342900">
+              <a:buFont typeface="+mj-lt"/>
+              <a:buAutoNum type="arabicPeriod"/>
+            </a:pPr>
+            <a:r>
+              <a:rPr lang="ko-KR" altLang="en-US" dirty="0">
+                <a:solidFill>
+                  <a:schemeClr val="tx1"/>
+                </a:solidFill>
+                <a:latin typeface="맑은 고딕" panose="020B0503020000020004" pitchFamily="50" charset="-127"/>
+                <a:ea typeface="맑은 고딕" panose="020B0503020000020004" pitchFamily="50" charset="-127"/>
+              </a:rPr>
+              <a:t>상품 </a:t>
+            </a:r>
+            <a:r>
+              <a:rPr lang="ko-KR" altLang="en-US" dirty="0" err="1">
+                <a:solidFill>
+                  <a:schemeClr val="tx1"/>
+                </a:solidFill>
+                <a:latin typeface="맑은 고딕" panose="020B0503020000020004" pitchFamily="50" charset="-127"/>
+                <a:ea typeface="맑은 고딕" panose="020B0503020000020004" pitchFamily="50" charset="-127"/>
+              </a:rPr>
+              <a:t>삭제시</a:t>
+            </a:r>
+            <a:r>
+              <a:rPr lang="ko-KR" altLang="en-US" dirty="0">
+                <a:solidFill>
+                  <a:schemeClr val="tx1"/>
+                </a:solidFill>
+                <a:latin typeface="맑은 고딕" panose="020B0503020000020004" pitchFamily="50" charset="-127"/>
+                <a:ea typeface="맑은 고딕" panose="020B0503020000020004" pitchFamily="50" charset="-127"/>
+              </a:rPr>
+              <a:t> 상품 상태만 삭제로 변경 </a:t>
+            </a:r>
+            <a:r>
+              <a:rPr lang="en-US" altLang="ko-KR" dirty="0">
+                <a:solidFill>
+                  <a:schemeClr val="tx1"/>
+                </a:solidFill>
+                <a:latin typeface="맑은 고딕" panose="020B0503020000020004" pitchFamily="50" charset="-127"/>
+                <a:ea typeface="맑은 고딕" panose="020B0503020000020004" pitchFamily="50" charset="-127"/>
+              </a:rPr>
+              <a:t>( </a:t>
+            </a:r>
+            <a:r>
+              <a:rPr lang="ko-KR" altLang="en-US" dirty="0">
+                <a:solidFill>
+                  <a:schemeClr val="tx1"/>
+                </a:solidFill>
+                <a:latin typeface="맑은 고딕" panose="020B0503020000020004" pitchFamily="50" charset="-127"/>
+                <a:ea typeface="맑은 고딕" panose="020B0503020000020004" pitchFamily="50" charset="-127"/>
+              </a:rPr>
+              <a:t>과거 주문에 포함된 상품 관리하기 위함 </a:t>
+            </a:r>
+            <a:r>
+              <a:rPr lang="en-US" altLang="ko-KR" dirty="0">
+                <a:solidFill>
+                  <a:schemeClr val="tx1"/>
+                </a:solidFill>
+                <a:latin typeface="맑은 고딕" panose="020B0503020000020004" pitchFamily="50" charset="-127"/>
+                <a:ea typeface="맑은 고딕" panose="020B0503020000020004" pitchFamily="50" charset="-127"/>
+              </a:rPr>
+              <a:t>)</a:t>
+            </a:r>
+          </a:p>
+          <a:p>
+            <a:pPr marL="342900" indent="-342900">
+              <a:buFont typeface="+mj-lt"/>
+              <a:buAutoNum type="arabicPeriod"/>
+            </a:pPr>
+            <a:r>
+              <a:rPr lang="ko-KR" altLang="en-US" dirty="0">
+                <a:solidFill>
+                  <a:schemeClr val="tx1"/>
+                </a:solidFill>
+                <a:latin typeface="맑은 고딕" panose="020B0503020000020004" pitchFamily="50" charset="-127"/>
+                <a:ea typeface="맑은 고딕" panose="020B0503020000020004" pitchFamily="50" charset="-127"/>
+              </a:rPr>
+              <a:t>일괄 주문내 단일 상품 환불</a:t>
+            </a:r>
+            <a:r>
+              <a:rPr lang="en-US" altLang="ko-KR" dirty="0">
+                <a:solidFill>
+                  <a:schemeClr val="tx1"/>
+                </a:solidFill>
+                <a:latin typeface="맑은 고딕" panose="020B0503020000020004" pitchFamily="50" charset="-127"/>
+                <a:ea typeface="맑은 고딕" panose="020B0503020000020004" pitchFamily="50" charset="-127"/>
+              </a:rPr>
+              <a:t>,</a:t>
+            </a:r>
+            <a:r>
+              <a:rPr lang="ko-KR" altLang="en-US" dirty="0">
+                <a:solidFill>
+                  <a:schemeClr val="tx1"/>
+                </a:solidFill>
+                <a:latin typeface="맑은 고딕" panose="020B0503020000020004" pitchFamily="50" charset="-127"/>
+                <a:ea typeface="맑은 고딕" panose="020B0503020000020004" pitchFamily="50" charset="-127"/>
+              </a:rPr>
+              <a:t>주문취소의 기능 제외</a:t>
+            </a:r>
+            <a:r>
+              <a:rPr lang="en-US" altLang="ko-KR" dirty="0">
+                <a:solidFill>
+                  <a:schemeClr val="tx1"/>
+                </a:solidFill>
+                <a:latin typeface="맑은 고딕" panose="020B0503020000020004" pitchFamily="50" charset="-127"/>
+                <a:ea typeface="맑은 고딕" panose="020B0503020000020004" pitchFamily="50" charset="-127"/>
+              </a:rPr>
+              <a:t> (</a:t>
+            </a:r>
+            <a:r>
+              <a:rPr lang="ko-KR" altLang="en-US" dirty="0">
+                <a:solidFill>
+                  <a:schemeClr val="tx1"/>
+                </a:solidFill>
+                <a:latin typeface="맑은 고딕" panose="020B0503020000020004" pitchFamily="50" charset="-127"/>
+                <a:ea typeface="맑은 고딕" panose="020B0503020000020004" pitchFamily="50" charset="-127"/>
+              </a:rPr>
+              <a:t>기능차이가 크게 없기 때문에</a:t>
+            </a:r>
+            <a:r>
+              <a:rPr lang="en-US" altLang="ko-KR" dirty="0">
+                <a:solidFill>
+                  <a:schemeClr val="tx1"/>
+                </a:solidFill>
+                <a:latin typeface="맑은 고딕" panose="020B0503020000020004" pitchFamily="50" charset="-127"/>
+                <a:ea typeface="맑은 고딕" panose="020B0503020000020004" pitchFamily="50" charset="-127"/>
+              </a:rPr>
+              <a:t>)</a:t>
+            </a:r>
+          </a:p>
+          <a:p>
+            <a:r>
+              <a:rPr lang="en-US" altLang="ko-KR" dirty="0">
+                <a:solidFill>
+                  <a:schemeClr val="tx1"/>
+                </a:solidFill>
+                <a:latin typeface="맑은 고딕" panose="020B0503020000020004" pitchFamily="50" charset="-127"/>
+                <a:ea typeface="맑은 고딕" panose="020B0503020000020004" pitchFamily="50" charset="-127"/>
+              </a:rPr>
+              <a:t>     - </a:t>
+            </a:r>
+            <a:r>
+              <a:rPr lang="ko-KR" altLang="en-US" dirty="0">
+                <a:solidFill>
+                  <a:schemeClr val="tx1"/>
+                </a:solidFill>
+                <a:latin typeface="맑은 고딕" panose="020B0503020000020004" pitchFamily="50" charset="-127"/>
+                <a:ea typeface="맑은 고딕" panose="020B0503020000020004" pitchFamily="50" charset="-127"/>
+              </a:rPr>
+              <a:t>필요하다면 </a:t>
+            </a:r>
+            <a:r>
+              <a:rPr lang="en-US" altLang="ko-KR" dirty="0">
+                <a:solidFill>
+                  <a:schemeClr val="tx1"/>
+                </a:solidFill>
+                <a:latin typeface="맑은 고딕" panose="020B0503020000020004" pitchFamily="50" charset="-127"/>
+                <a:ea typeface="맑은 고딕" panose="020B0503020000020004" pitchFamily="50" charset="-127"/>
+              </a:rPr>
+              <a:t>Orders </a:t>
+            </a:r>
+            <a:r>
+              <a:rPr lang="ko-KR" altLang="en-US" dirty="0">
+                <a:solidFill>
+                  <a:schemeClr val="tx1"/>
+                </a:solidFill>
+                <a:latin typeface="맑은 고딕" panose="020B0503020000020004" pitchFamily="50" charset="-127"/>
+                <a:ea typeface="맑은 고딕" panose="020B0503020000020004" pitchFamily="50" charset="-127"/>
+              </a:rPr>
+              <a:t>테이블의 상태는 배송관련 기능</a:t>
             </a:r>
             <a:r>
               <a:rPr lang="en-US" altLang="ko-KR" dirty="0">
@@ -14338,6 +14537,26 @@
               <a:t>, </a:t>
             </a:r>
             <a:r>
+              <a:rPr lang="en-US" altLang="ko-KR" dirty="0" err="1">
+                <a:solidFill>
+                  <a:schemeClr val="tx1"/>
+                </a:solidFill>
+                <a:latin typeface="맑은 고딕" panose="020B0503020000020004" pitchFamily="50" charset="-127"/>
+                <a:ea typeface="맑은 고딕" panose="020B0503020000020004" pitchFamily="50" charset="-127"/>
+              </a:rPr>
+              <a:t>OrderItems</a:t>
+            </a:r>
+            <a:r>
+              <a:rPr lang="en-US" altLang="ko-KR" dirty="0">
+                <a:solidFill>
+                  <a:schemeClr val="tx1"/>
+                </a:solidFill>
+                <a:latin typeface="맑은 고딕" panose="020B0503020000020004" pitchFamily="50" charset="-127"/>
+                <a:ea typeface="맑은 고딕" panose="020B0503020000020004" pitchFamily="50" charset="-127"/>
+              </a:rPr>
+              <a:t> </a:t>
+            </a:r>
+            <a:r>
               <a:rPr lang="ko-KR" altLang="en-US" dirty="0">
                 <a:solidFill>
                   <a:schemeClr val="tx1"/>
@@ -14345,7 +14564,36 @@
                 <a:latin typeface="맑은 고딕" panose="020B0503020000020004" pitchFamily="50" charset="-127"/>
                 <a:ea typeface="맑은 고딕" panose="020B0503020000020004" pitchFamily="50" charset="-127"/>
               </a:rPr>
-              <a:t>환불 </a:t>
+              <a:t>테이블의 상태는 주문관련    </a:t>
+            </a:r>
+            <a:endParaRPr lang="en-US" altLang="ko-KR" dirty="0">
+              <a:solidFill>
+                <a:schemeClr val="tx1"/>
+              </a:solidFill>
+              <a:latin typeface="맑은 고딕" panose="020B0503020000020004" pitchFamily="50" charset="-127"/>
+              <a:ea typeface="맑은 고딕" panose="020B0503020000020004" pitchFamily="50" charset="-127"/>
+            </a:endParaRPr>
+          </a:p>
+          <a:p>
+            <a:r>
+              <a:rPr lang="en-US" altLang="ko-KR" dirty="0">
+                <a:solidFill>
+                  <a:schemeClr val="tx1"/>
+                </a:solidFill>
+                <a:latin typeface="맑은 고딕" panose="020B0503020000020004" pitchFamily="50" charset="-127"/>
+                <a:ea typeface="맑은 고딕" panose="020B0503020000020004" pitchFamily="50" charset="-127"/>
+              </a:rPr>
+              <a:t>       </a:t>
+            </a:r>
+            <a:r>
+              <a:rPr lang="ko-KR" altLang="en-US" dirty="0">
+                <a:solidFill>
+                  <a:schemeClr val="tx1"/>
+                </a:solidFill>
+                <a:latin typeface="맑은 고딕" panose="020B0503020000020004" pitchFamily="50" charset="-127"/>
+                <a:ea typeface="맑은 고딕" panose="020B0503020000020004" pitchFamily="50" charset="-127"/>
+              </a:rPr>
+              <a:t>기능으로 </a:t>
             </a:r>
             <a:r>
               <a:rPr lang="ko-KR" altLang="en-US" dirty="0" err="1">
@@ -14355,63 +14603,7 @@
                 <a:latin typeface="맑은 고딕" panose="020B0503020000020004" pitchFamily="50" charset="-127"/>
                 <a:ea typeface="맑은 고딕" panose="020B0503020000020004" pitchFamily="50" charset="-127"/>
               </a:rPr>
-              <a:t>신청시</a:t>
-            </a:r>
-            <a:r>
-              <a:rPr lang="ko-KR" altLang="en-US" dirty="0">
-                <a:solidFill>
-                  <a:schemeClr val="tx1"/>
-                </a:solidFill>
-                <a:latin typeface="맑은 고딕" panose="020B0503020000020004" pitchFamily="50" charset="-127"/>
-                <a:ea typeface="맑은 고딕" panose="020B0503020000020004" pitchFamily="50" charset="-127"/>
-              </a:rPr>
-              <a:t> 바로 환불 처리</a:t>
-            </a:r>
-            <a:r>
-              <a:rPr lang="en-US" altLang="ko-KR" dirty="0">
-                <a:solidFill>
-                  <a:schemeClr val="tx1"/>
-                </a:solidFill>
-                <a:latin typeface="맑은 고딕" panose="020B0503020000020004" pitchFamily="50" charset="-127"/>
-                <a:ea typeface="맑은 고딕" panose="020B0503020000020004" pitchFamily="50" charset="-127"/>
-              </a:rPr>
-              <a:t>)</a:t>
-            </a:r>
-          </a:p>
-          <a:p>
-            <a:pPr marL="342900" indent="-342900">
-              <a:buFont typeface="+mj-lt"/>
-              <a:buAutoNum type="arabicPeriod"/>
-            </a:pPr>
-            <a:r>
-              <a:rPr lang="ko-KR" altLang="en-US" dirty="0">
-                <a:solidFill>
-                  <a:schemeClr val="tx1"/>
-                </a:solidFill>
-                <a:latin typeface="맑은 고딕" panose="020B0503020000020004" pitchFamily="50" charset="-127"/>
-                <a:ea typeface="맑은 고딕" panose="020B0503020000020004" pitchFamily="50" charset="-127"/>
-              </a:rPr>
-              <a:t>관리자 계정과 고객 계정 </a:t>
-            </a:r>
-            <a:r>
-              <a:rPr lang="ko-KR" altLang="en-US" dirty="0" err="1">
-                <a:solidFill>
-                  <a:schemeClr val="tx1"/>
-                </a:solidFill>
-                <a:latin typeface="맑은 고딕" panose="020B0503020000020004" pitchFamily="50" charset="-127"/>
-                <a:ea typeface="맑은 고딕" panose="020B0503020000020004" pitchFamily="50" charset="-127"/>
-              </a:rPr>
-              <a:t>통합（하나의</a:t>
-            </a:r>
-            <a:r>
-              <a:rPr lang="ko-KR" altLang="en-US" dirty="0">
-                <a:solidFill>
-                  <a:schemeClr val="tx1"/>
-                </a:solidFill>
-                <a:latin typeface="맑은 고딕" panose="020B0503020000020004" pitchFamily="50" charset="-127"/>
-                <a:ea typeface="맑은 고딕" panose="020B0503020000020004" pitchFamily="50" charset="-127"/>
-              </a:rPr>
-              <a:t> 계정으로 상품 등록 및 주문까지 모두 가능）</a:t>
+              <a:t>분리하면됨</a:t>
             </a:r>
             <a:endParaRPr lang="en-US" altLang="ko-KR" dirty="0">
               <a:solidFill>
@@ -14422,72 +14614,6 @@
             </a:endParaRPr>
           </a:p>
           <a:p>
-            <a:pPr marL="342900" indent="-342900">
-              <a:buFont typeface="+mj-lt"/>
-              <a:buAutoNum type="arabicPeriod"/>
-            </a:pPr>
-            <a:r>
-              <a:rPr lang="ko-KR" altLang="en-US" dirty="0">
-                <a:solidFill>
-                  <a:schemeClr val="tx1"/>
-                </a:solidFill>
-                <a:latin typeface="맑은 고딕" panose="020B0503020000020004" pitchFamily="50" charset="-127"/>
-                <a:ea typeface="맑은 고딕" panose="020B0503020000020004" pitchFamily="50" charset="-127"/>
-              </a:rPr>
-              <a:t>상품 </a:t>
-            </a:r>
-            <a:r>
-              <a:rPr lang="ko-KR" altLang="en-US" dirty="0" err="1">
-                <a:solidFill>
-                  <a:schemeClr val="tx1"/>
-                </a:solidFill>
-                <a:latin typeface="맑은 고딕" panose="020B0503020000020004" pitchFamily="50" charset="-127"/>
-                <a:ea typeface="맑은 고딕" panose="020B0503020000020004" pitchFamily="50" charset="-127"/>
-              </a:rPr>
-              <a:t>삭제시</a:t>
-            </a:r>
-            <a:r>
-              <a:rPr lang="ko-KR" altLang="en-US" dirty="0">
-                <a:solidFill>
-                  <a:schemeClr val="tx1"/>
-                </a:solidFill>
-                <a:latin typeface="맑은 고딕" panose="020B0503020000020004" pitchFamily="50" charset="-127"/>
-                <a:ea typeface="맑은 고딕" panose="020B0503020000020004" pitchFamily="50" charset="-127"/>
-              </a:rPr>
-              <a:t> 상품 상태만 삭제로 변경 </a:t>
-            </a:r>
-            <a:r>
-              <a:rPr lang="en-US" altLang="ko-KR" dirty="0">
-                <a:solidFill>
-                  <a:schemeClr val="tx1"/>
-                </a:solidFill>
-                <a:latin typeface="맑은 고딕" panose="020B0503020000020004" pitchFamily="50" charset="-127"/>
-                <a:ea typeface="맑은 고딕" panose="020B0503020000020004" pitchFamily="50" charset="-127"/>
-              </a:rPr>
-              <a:t>( </a:t>
-            </a:r>
-            <a:r>
-              <a:rPr lang="ko-KR" altLang="en-US" dirty="0">
-                <a:solidFill>
-                  <a:schemeClr val="tx1"/>
-                </a:solidFill>
-                <a:latin typeface="맑은 고딕" panose="020B0503020000020004" pitchFamily="50" charset="-127"/>
-                <a:ea typeface="맑은 고딕" panose="020B0503020000020004" pitchFamily="50" charset="-127"/>
-              </a:rPr>
-              <a:t>과거 주문에 포함된 상품 관리하기 위함 </a:t>
-            </a:r>
-            <a:r>
-              <a:rPr lang="en-US" altLang="ko-KR" dirty="0">
-                <a:solidFill>
-                  <a:schemeClr val="tx1"/>
-                </a:solidFill>
-                <a:latin typeface="맑은 고딕" panose="020B0503020000020004" pitchFamily="50" charset="-127"/>
-                <a:ea typeface="맑은 고딕" panose="020B0503020000020004" pitchFamily="50" charset="-127"/>
-              </a:rPr>
-              <a:t>)</a:t>
-            </a:r>
-          </a:p>
-          <a:p>
             <a:endParaRPr lang="en-US" altLang="ko-KR" dirty="0">
               <a:solidFill>
                 <a:schemeClr val="tx1"/>
@@ -14565,7 +14691,7 @@
                 </a:solidFill>
                 <a:latin typeface="+mj-lt"/>
               </a:rPr>
-              <a:t>, MariaDB </a:t>
+              <a:t>, MariaDB, Batch </a:t>
             </a:r>
             <a:r>
               <a:rPr lang="ko-KR" altLang="en-US" dirty="0">
@@ -14645,12 +14771,82 @@
                 </a:solidFill>
                 <a:latin typeface="+mj-lt"/>
               </a:rPr>
-              <a:t>)</a:t>
-            </a:r>
-            <a:endParaRPr lang="ko-KR" altLang="en-US" dirty="0"/>
-          </a:p>
-          <a:p>
-            <a:pPr algn="ctr"/>
+              <a:t>) </a:t>
+            </a:r>
+          </a:p>
+          <a:p>
+            <a:r>
+              <a:rPr lang="en-US" altLang="ko-KR" dirty="0">
+                <a:solidFill>
+                  <a:schemeClr val="tx1"/>
+                </a:solidFill>
+                <a:latin typeface="+mj-lt"/>
+              </a:rPr>
+              <a:t>      &gt; @Transactional </a:t>
+            </a:r>
+            <a:r>
+              <a:rPr lang="ko-KR" altLang="en-US" dirty="0" err="1">
+                <a:solidFill>
+                  <a:schemeClr val="tx1"/>
+                </a:solidFill>
+                <a:latin typeface="+mj-lt"/>
+              </a:rPr>
+              <a:t>어노테이션을</a:t>
+            </a:r>
+            <a:r>
+              <a:rPr lang="ko-KR" altLang="en-US" dirty="0">
+                <a:solidFill>
+                  <a:schemeClr val="tx1"/>
+                </a:solidFill>
+                <a:latin typeface="+mj-lt"/>
+              </a:rPr>
+              <a:t> 사용해 일부해결</a:t>
+            </a:r>
+            <a:r>
+              <a:rPr lang="en-US" altLang="ko-KR" dirty="0">
+                <a:solidFill>
+                  <a:schemeClr val="tx1"/>
+                </a:solidFill>
+                <a:latin typeface="+mj-lt"/>
+              </a:rPr>
+              <a:t>, </a:t>
+            </a:r>
+            <a:r>
+              <a:rPr lang="ko-KR" altLang="en-US" dirty="0">
+                <a:solidFill>
+                  <a:schemeClr val="tx1"/>
+                </a:solidFill>
+                <a:latin typeface="+mj-lt"/>
+              </a:rPr>
+              <a:t>추가적으로는 </a:t>
+            </a:r>
+            <a:r>
+              <a:rPr lang="en-US" altLang="ko-KR" dirty="0">
+                <a:solidFill>
+                  <a:schemeClr val="tx1"/>
+                </a:solidFill>
+                <a:latin typeface="+mj-lt"/>
+              </a:rPr>
+              <a:t>Lock</a:t>
+            </a:r>
+            <a:r>
+              <a:rPr lang="ko-KR" altLang="en-US" dirty="0">
+                <a:solidFill>
+                  <a:schemeClr val="tx1"/>
+                </a:solidFill>
+                <a:latin typeface="+mj-lt"/>
+              </a:rPr>
+              <a:t>을 구현 필요</a:t>
+            </a:r>
+            <a:r>
+              <a:rPr lang="en-US" altLang="ko-KR">
+                <a:solidFill>
+                  <a:schemeClr val="tx1"/>
+                </a:solidFill>
+                <a:latin typeface="+mj-lt"/>
+              </a:rPr>
+              <a:t>!</a:t>
+            </a:r>
             <a:endParaRPr lang="ko-KR" altLang="en-US" dirty="0"/>
           </a:p>
         </p:txBody>
